--- a/Modifiers and Keywords/Presentation/Modifiers and Keywords.pptx
+++ b/Modifiers and Keywords/Presentation/Modifiers and Keywords.pptx
@@ -11,9 +11,9 @@
     <p:sldId id="272" r:id="rId2"/>
     <p:sldId id="341" r:id="rId3"/>
     <p:sldId id="310" r:id="rId4"/>
-    <p:sldId id="311" r:id="rId5"/>
-    <p:sldId id="273" r:id="rId6"/>
-    <p:sldId id="312" r:id="rId7"/>
+    <p:sldId id="273" r:id="rId5"/>
+    <p:sldId id="312" r:id="rId6"/>
+    <p:sldId id="311" r:id="rId7"/>
     <p:sldId id="274" r:id="rId8"/>
     <p:sldId id="342" r:id="rId9"/>
     <p:sldId id="313" r:id="rId10"/>
@@ -260,7 +260,7 @@
               <a:pPr>
                 <a:defRPr/>
               </a:pPr>
-              <a:t>9/20/22</a:t>
+              <a:t>9/24/22</a:t>
             </a:fld>
             <a:endParaRPr lang="en-US" altLang="en-US"/>
           </a:p>
@@ -613,10 +613,10 @@
       </p:grpSpPr>
       <p:sp>
         <p:nvSpPr>
-          <p:cNvPr id="52225" name="Slide Image Placeholder 1">
+          <p:cNvPr id="55297" name="Slide Image Placeholder 1">
             <a:extLst>
               <a:ext uri="{FF2B5EF4-FFF2-40B4-BE49-F238E27FC236}">
-                <a16:creationId xmlns:a16="http://schemas.microsoft.com/office/drawing/2014/main" id="{E0BF39C4-2A09-0F7D-CFA4-6ECBD4BF5454}"/>
+                <a16:creationId xmlns:a16="http://schemas.microsoft.com/office/drawing/2014/main" id="{26ABB38B-66B8-1F9E-A11F-0703392B2AC6}"/>
               </a:ext>
             </a:extLst>
           </p:cNvPr>
@@ -650,10 +650,10 @@
       </p:sp>
       <p:sp>
         <p:nvSpPr>
-          <p:cNvPr id="52226" name="Notes Placeholder 2">
+          <p:cNvPr id="55298" name="Notes Placeholder 2">
             <a:extLst>
               <a:ext uri="{FF2B5EF4-FFF2-40B4-BE49-F238E27FC236}">
-                <a16:creationId xmlns:a16="http://schemas.microsoft.com/office/drawing/2014/main" id="{95E701D0-C187-6A49-FA4F-F56E290E953D}"/>
+                <a16:creationId xmlns:a16="http://schemas.microsoft.com/office/drawing/2014/main" id="{9900644A-18FE-9BE4-653B-BC614693813B}"/>
               </a:ext>
             </a:extLst>
           </p:cNvPr>
@@ -694,18 +694,21 @@
           </a:bodyPr>
           <a:lstStyle/>
           <a:p>
-            <a:endParaRPr lang="en-US" altLang="en-US">
-              <a:ea typeface="ＭＳ Ｐゴシック" panose="020B0600070205080204" pitchFamily="34" charset="-128"/>
-            </a:endParaRPr>
-          </a:p>
-        </p:txBody>
-      </p:sp>
-      <p:sp>
-        <p:nvSpPr>
-          <p:cNvPr id="52227" name="Slide Number Placeholder 3">
+            <a:r>
+              <a:rPr lang="en-US" altLang="en-US">
+                <a:ea typeface="ＭＳ Ｐゴシック" panose="020B0600070205080204" pitchFamily="34" charset="-128"/>
+              </a:rPr>
+              <a:t>Package-private</a:t>
+            </a:r>
+          </a:p>
+        </p:txBody>
+      </p:sp>
+      <p:sp>
+        <p:nvSpPr>
+          <p:cNvPr id="55299" name="Slide Number Placeholder 3">
             <a:extLst>
               <a:ext uri="{FF2B5EF4-FFF2-40B4-BE49-F238E27FC236}">
-                <a16:creationId xmlns:a16="http://schemas.microsoft.com/office/drawing/2014/main" id="{068B20DB-C935-A118-9AB1-A81A0A8B451E}"/>
+                <a16:creationId xmlns:a16="http://schemas.microsoft.com/office/drawing/2014/main" id="{B025E3DE-48D3-E544-D39C-37F065D952B4}"/>
               </a:ext>
             </a:extLst>
           </p:cNvPr>
@@ -848,10 +851,10 @@
             </a:lvl9pPr>
           </a:lstStyle>
           <a:p>
-            <a:fld id="{6A8F6C23-14D6-2642-A389-12F800B8E447}" type="slidenum">
+            <a:fld id="{45BFD68D-08DE-A744-A326-02D7D203A80C}" type="slidenum">
               <a:rPr lang="en-US" altLang="en-US" sz="1200"/>
               <a:pPr/>
-              <a:t>4</a:t>
+              <a:t>5</a:t>
             </a:fld>
             <a:endParaRPr lang="en-US" altLang="en-US" sz="1200"/>
           </a:p>
@@ -884,10 +887,10 @@
       </p:grpSpPr>
       <p:sp>
         <p:nvSpPr>
-          <p:cNvPr id="55297" name="Slide Image Placeholder 1">
+          <p:cNvPr id="52225" name="Slide Image Placeholder 1">
             <a:extLst>
               <a:ext uri="{FF2B5EF4-FFF2-40B4-BE49-F238E27FC236}">
-                <a16:creationId xmlns:a16="http://schemas.microsoft.com/office/drawing/2014/main" id="{26ABB38B-66B8-1F9E-A11F-0703392B2AC6}"/>
+                <a16:creationId xmlns:a16="http://schemas.microsoft.com/office/drawing/2014/main" id="{E0BF39C4-2A09-0F7D-CFA4-6ECBD4BF5454}"/>
               </a:ext>
             </a:extLst>
           </p:cNvPr>
@@ -921,10 +924,10 @@
       </p:sp>
       <p:sp>
         <p:nvSpPr>
-          <p:cNvPr id="55298" name="Notes Placeholder 2">
+          <p:cNvPr id="52226" name="Notes Placeholder 2">
             <a:extLst>
               <a:ext uri="{FF2B5EF4-FFF2-40B4-BE49-F238E27FC236}">
-                <a16:creationId xmlns:a16="http://schemas.microsoft.com/office/drawing/2014/main" id="{9900644A-18FE-9BE4-653B-BC614693813B}"/>
+                <a16:creationId xmlns:a16="http://schemas.microsoft.com/office/drawing/2014/main" id="{95E701D0-C187-6A49-FA4F-F56E290E953D}"/>
               </a:ext>
             </a:extLst>
           </p:cNvPr>
@@ -965,21 +968,18 @@
           </a:bodyPr>
           <a:lstStyle/>
           <a:p>
-            <a:r>
-              <a:rPr lang="en-US" altLang="en-US">
-                <a:ea typeface="ＭＳ Ｐゴシック" panose="020B0600070205080204" pitchFamily="34" charset="-128"/>
-              </a:rPr>
-              <a:t>Package-private</a:t>
-            </a:r>
-          </a:p>
-        </p:txBody>
-      </p:sp>
-      <p:sp>
-        <p:nvSpPr>
-          <p:cNvPr id="55299" name="Slide Number Placeholder 3">
+            <a:endParaRPr lang="en-US" altLang="en-US">
+              <a:ea typeface="ＭＳ Ｐゴシック" panose="020B0600070205080204" pitchFamily="34" charset="-128"/>
+            </a:endParaRPr>
+          </a:p>
+        </p:txBody>
+      </p:sp>
+      <p:sp>
+        <p:nvSpPr>
+          <p:cNvPr id="52227" name="Slide Number Placeholder 3">
             <a:extLst>
               <a:ext uri="{FF2B5EF4-FFF2-40B4-BE49-F238E27FC236}">
-                <a16:creationId xmlns:a16="http://schemas.microsoft.com/office/drawing/2014/main" id="{B025E3DE-48D3-E544-D39C-37F065D952B4}"/>
+                <a16:creationId xmlns:a16="http://schemas.microsoft.com/office/drawing/2014/main" id="{068B20DB-C935-A118-9AB1-A81A0A8B451E}"/>
               </a:ext>
             </a:extLst>
           </p:cNvPr>
@@ -1122,7 +1122,7 @@
             </a:lvl9pPr>
           </a:lstStyle>
           <a:p>
-            <a:fld id="{45BFD68D-08DE-A744-A326-02D7D203A80C}" type="slidenum">
+            <a:fld id="{6A8F6C23-14D6-2642-A389-12F800B8E447}" type="slidenum">
               <a:rPr lang="en-US" altLang="en-US" sz="1200"/>
               <a:pPr/>
               <a:t>6</a:t>
@@ -7343,10 +7343,10 @@
       </p:grpSpPr>
       <p:sp>
         <p:nvSpPr>
-          <p:cNvPr id="70658" name="Rectangle 2">
+          <p:cNvPr id="30722" name="Rectangle 2">
             <a:extLst>
               <a:ext uri="{FF2B5EF4-FFF2-40B4-BE49-F238E27FC236}">
-                <a16:creationId xmlns:a16="http://schemas.microsoft.com/office/drawing/2014/main" id="{BAFAEC75-8E2B-D342-F9E7-7EB260E16AD0}"/>
+                <a16:creationId xmlns:a16="http://schemas.microsoft.com/office/drawing/2014/main" id="{1C2EE89F-25E8-8AE4-E0F5-D446E610B4C4}"/>
               </a:ext>
             </a:extLst>
           </p:cNvPr>
@@ -7368,17 +7368,17 @@
               <a:rPr lang="en-US" altLang="en-US" dirty="0">
                 <a:latin typeface="Calibri" panose="020F0502020204030204" pitchFamily="34" charset="0"/>
               </a:rPr>
-              <a:t>Protected</a:t>
-            </a:r>
-          </a:p>
-        </p:txBody>
-      </p:sp>
-      <p:sp>
-        <p:nvSpPr>
-          <p:cNvPr id="70659" name="Rectangle 3">
+              <a:t>Private</a:t>
+            </a:r>
+          </a:p>
+        </p:txBody>
+      </p:sp>
+      <p:sp>
+        <p:nvSpPr>
+          <p:cNvPr id="30723" name="Rectangle 3">
             <a:extLst>
               <a:ext uri="{FF2B5EF4-FFF2-40B4-BE49-F238E27FC236}">
-                <a16:creationId xmlns:a16="http://schemas.microsoft.com/office/drawing/2014/main" id="{BFC848A1-A72A-72F7-E65A-FD4D6CBAB822}"/>
+                <a16:creationId xmlns:a16="http://schemas.microsoft.com/office/drawing/2014/main" id="{1B897348-099C-6C85-6B9C-6E1050B46FA5}"/>
               </a:ext>
             </a:extLst>
           </p:cNvPr>
@@ -7392,7 +7392,7 @@
         <p:spPr/>
         <p:txBody>
           <a:bodyPr vert="horz" lIns="45720" tIns="45720" rIns="45720" bIns="45720" rtlCol="0">
-            <a:normAutofit/>
+            <a:normAutofit fontScale="92500" lnSpcReduction="20000"/>
           </a:bodyPr>
           <a:lstStyle/>
           <a:p>
@@ -7401,10 +7401,10 @@
               <a:buChar char="o"/>
             </a:pPr>
             <a:r>
-              <a:rPr lang="en-US" altLang="en-US" dirty="0">
-                <a:latin typeface="Calibri" panose="020F0502020204030204" pitchFamily="34" charset="0"/>
-              </a:rPr>
-              <a:t>Accessible only within its package and its subclasses </a:t>
+              <a:rPr lang="en-US" dirty="0">
+                <a:latin typeface="Calibri" panose="020F0502020204030204" pitchFamily="34" charset="0"/>
+              </a:rPr>
+              <a:t>Accessible only in its class (which defines it)</a:t>
             </a:r>
           </a:p>
           <a:p>
@@ -7413,10 +7413,10 @@
               <a:buChar char="o"/>
             </a:pPr>
             <a:r>
-              <a:rPr lang="en-US" altLang="en-US" dirty="0">
-                <a:latin typeface="Calibri" panose="020F0502020204030204" pitchFamily="34" charset="0"/>
-              </a:rPr>
-              <a:t>Applies to only Constructors, Fields, Methods </a:t>
+              <a:rPr lang="en-US" dirty="0">
+                <a:latin typeface="Calibri" panose="020F0502020204030204" pitchFamily="34" charset="0"/>
+              </a:rPr>
+              <a:t>Applicable only to Constructors, Fields, Methods</a:t>
             </a:r>
           </a:p>
           <a:p>
@@ -7425,10 +7425,10 @@
               <a:buChar char="o"/>
             </a:pPr>
             <a:r>
-              <a:rPr lang="en-US" altLang="en-US" dirty="0">
-                <a:latin typeface="Calibri" panose="020F0502020204030204" pitchFamily="34" charset="0"/>
-              </a:rPr>
-              <a:t>Not applicable to Classes, Interfaces</a:t>
+              <a:rPr lang="en-US" dirty="0">
+                <a:latin typeface="Calibri" panose="020F0502020204030204" pitchFamily="34" charset="0"/>
+              </a:rPr>
+              <a:t>Not applicable to Classes and Interfaces</a:t>
             </a:r>
           </a:p>
           <a:p>
@@ -7437,10 +7437,10 @@
               <a:buChar char="o"/>
             </a:pPr>
             <a:r>
-              <a:rPr lang="en-US" altLang="en-US" dirty="0">
-                <a:latin typeface="Calibri" panose="020F0502020204030204" pitchFamily="34" charset="0"/>
-              </a:rPr>
-              <a:t>Example: </a:t>
+              <a:rPr lang="en-US" dirty="0">
+                <a:latin typeface="Calibri" panose="020F0502020204030204" pitchFamily="34" charset="0"/>
+              </a:rPr>
+              <a:t>Example:</a:t>
             </a:r>
           </a:p>
           <a:p>
@@ -7462,7 +7462,18 @@
               <a:rPr lang="en-US" altLang="en-US" dirty="0">
                 <a:latin typeface="Calibri" panose="020F0502020204030204" pitchFamily="34" charset="0"/>
               </a:rPr>
-              <a:t>	protected void </a:t>
+              <a:t>	private String name;</a:t>
+            </a:r>
+          </a:p>
+          <a:p>
+            <a:pPr marL="0" indent="0">
+              <a:buNone/>
+            </a:pPr>
+            <a:r>
+              <a:rPr lang="en-US" altLang="en-US" dirty="0">
+                <a:latin typeface="Calibri" panose="020F0502020204030204" pitchFamily="34" charset="0"/>
+              </a:rPr>
+              <a:t>	private void </a:t>
             </a:r>
             <a:r>
               <a:rPr lang="en-US" altLang="en-US" dirty="0" err="1">
@@ -7509,6 +7520,15 @@
               </a:rPr>
               <a:t>}</a:t>
             </a:r>
+          </a:p>
+          <a:p>
+            <a:pPr>
+              <a:buFont typeface="Courier New" panose="02070309020205020404" pitchFamily="49" charset="0"/>
+              <a:buChar char="o"/>
+            </a:pPr>
+            <a:endParaRPr lang="en-US" dirty="0">
+              <a:latin typeface="Calibri" panose="020F0502020204030204" pitchFamily="34" charset="0"/>
+            </a:endParaRPr>
           </a:p>
         </p:txBody>
       </p:sp>
@@ -7539,10 +7559,10 @@
       </p:grpSpPr>
       <p:sp>
         <p:nvSpPr>
-          <p:cNvPr id="30722" name="Rectangle 2">
+          <p:cNvPr id="72706" name="Rectangle 2">
             <a:extLst>
               <a:ext uri="{FF2B5EF4-FFF2-40B4-BE49-F238E27FC236}">
-                <a16:creationId xmlns:a16="http://schemas.microsoft.com/office/drawing/2014/main" id="{1C2EE89F-25E8-8AE4-E0F5-D446E610B4C4}"/>
+                <a16:creationId xmlns:a16="http://schemas.microsoft.com/office/drawing/2014/main" id="{38AE21BD-A747-7650-F26B-1FF36AF05C80}"/>
               </a:ext>
             </a:extLst>
           </p:cNvPr>
@@ -7564,17 +7584,17 @@
               <a:rPr lang="en-US" altLang="en-US" dirty="0">
                 <a:latin typeface="Calibri" panose="020F0502020204030204" pitchFamily="34" charset="0"/>
               </a:rPr>
-              <a:t>Private</a:t>
-            </a:r>
-          </a:p>
-        </p:txBody>
-      </p:sp>
-      <p:sp>
-        <p:nvSpPr>
-          <p:cNvPr id="30723" name="Rectangle 3">
+              <a:t>Default</a:t>
+            </a:r>
+          </a:p>
+        </p:txBody>
+      </p:sp>
+      <p:sp>
+        <p:nvSpPr>
+          <p:cNvPr id="72707" name="Rectangle 3">
             <a:extLst>
               <a:ext uri="{FF2B5EF4-FFF2-40B4-BE49-F238E27FC236}">
-                <a16:creationId xmlns:a16="http://schemas.microsoft.com/office/drawing/2014/main" id="{1B897348-099C-6C85-6B9C-6E1050B46FA5}"/>
+                <a16:creationId xmlns:a16="http://schemas.microsoft.com/office/drawing/2014/main" id="{E5477100-5572-31E9-33FF-299CCCC24124}"/>
               </a:ext>
             </a:extLst>
           </p:cNvPr>
@@ -7588,7 +7608,7 @@
         <p:spPr/>
         <p:txBody>
           <a:bodyPr vert="horz" lIns="45720" tIns="45720" rIns="45720" bIns="45720" rtlCol="0">
-            <a:normAutofit fontScale="92500" lnSpcReduction="20000"/>
+            <a:normAutofit/>
           </a:bodyPr>
           <a:lstStyle/>
           <a:p>
@@ -7597,10 +7617,10 @@
               <a:buChar char="o"/>
             </a:pPr>
             <a:r>
-              <a:rPr lang="en-US" dirty="0">
-                <a:latin typeface="Calibri" panose="020F0502020204030204" pitchFamily="34" charset="0"/>
-              </a:rPr>
-              <a:t>Accessible only in its class (which defines it)</a:t>
+              <a:rPr lang="en-US" altLang="en-US" dirty="0">
+                <a:latin typeface="Calibri" panose="020F0502020204030204" pitchFamily="34" charset="0"/>
+              </a:rPr>
+              <a:t>There is no default keyword</a:t>
             </a:r>
           </a:p>
           <a:p>
@@ -7609,10 +7629,34 @@
               <a:buChar char="o"/>
             </a:pPr>
             <a:r>
-              <a:rPr lang="en-US" dirty="0">
-                <a:latin typeface="Calibri" panose="020F0502020204030204" pitchFamily="34" charset="0"/>
-              </a:rPr>
-              <a:t>Applicable only to Constructors, Fields, Methods</a:t>
+              <a:rPr lang="en-US" altLang="en-US" dirty="0">
+                <a:latin typeface="Calibri" panose="020F0502020204030204" pitchFamily="34" charset="0"/>
+              </a:rPr>
+              <a:t>access from within the class, or from any class in the same directory (</a:t>
+            </a:r>
+            <a:r>
+              <a:rPr lang="ja-JP" altLang="en-US">
+                <a:latin typeface="Calibri" panose="020F0502020204030204" pitchFamily="34" charset="0"/>
+              </a:rPr>
+              <a:t>“</a:t>
+            </a:r>
+            <a:r>
+              <a:rPr lang="en-US" altLang="ja-JP" dirty="0">
+                <a:latin typeface="Calibri" panose="020F0502020204030204" pitchFamily="34" charset="0"/>
+              </a:rPr>
+              <a:t>folder</a:t>
+            </a:r>
+            <a:r>
+              <a:rPr lang="ja-JP" altLang="en-US">
+                <a:latin typeface="Calibri" panose="020F0502020204030204" pitchFamily="34" charset="0"/>
+              </a:rPr>
+              <a:t>”</a:t>
+            </a:r>
+            <a:r>
+              <a:rPr lang="en-US" altLang="ja-JP" dirty="0">
+                <a:latin typeface="Calibri" panose="020F0502020204030204" pitchFamily="34" charset="0"/>
+              </a:rPr>
+              <a:t>)</a:t>
             </a:r>
           </a:p>
           <a:p>
@@ -7621,10 +7665,10 @@
               <a:buChar char="o"/>
             </a:pPr>
             <a:r>
-              <a:rPr lang="en-US" dirty="0">
-                <a:latin typeface="Calibri" panose="020F0502020204030204" pitchFamily="34" charset="0"/>
-              </a:rPr>
-              <a:t>Not applicable to Classes and Interfaces</a:t>
+              <a:rPr lang="en-US" altLang="en-US" dirty="0">
+                <a:latin typeface="Calibri" panose="020F0502020204030204" pitchFamily="34" charset="0"/>
+              </a:rPr>
+              <a:t>Applies to Classes, Methods, Constructors, Fields, Interfaces</a:t>
             </a:r>
           </a:p>
           <a:p>
@@ -7633,7 +7677,7 @@
               <a:buChar char="o"/>
             </a:pPr>
             <a:r>
-              <a:rPr lang="en-US" dirty="0">
+              <a:rPr lang="en-US" altLang="en-US" dirty="0">
                 <a:latin typeface="Calibri" panose="020F0502020204030204" pitchFamily="34" charset="0"/>
               </a:rPr>
               <a:t>Example:</a:t>
@@ -7647,7 +7691,7 @@
               <a:rPr lang="en-US" altLang="en-US" dirty="0">
                 <a:latin typeface="Calibri" panose="020F0502020204030204" pitchFamily="34" charset="0"/>
               </a:rPr>
-              <a:t>public class Employee {</a:t>
+              <a:t>class Employee {</a:t>
             </a:r>
           </a:p>
           <a:p>
@@ -7658,73 +7702,8 @@
               <a:rPr lang="en-US" altLang="en-US" dirty="0">
                 <a:latin typeface="Calibri" panose="020F0502020204030204" pitchFamily="34" charset="0"/>
               </a:rPr>
-              <a:t>	private String name;</a:t>
-            </a:r>
-          </a:p>
-          <a:p>
-            <a:pPr marL="0" indent="0">
-              <a:buNone/>
-            </a:pPr>
-            <a:r>
-              <a:rPr lang="en-US" altLang="en-US" dirty="0">
-                <a:latin typeface="Calibri" panose="020F0502020204030204" pitchFamily="34" charset="0"/>
-              </a:rPr>
-              <a:t>	private void </a:t>
-            </a:r>
-            <a:r>
-              <a:rPr lang="en-US" altLang="en-US" dirty="0" err="1">
-                <a:latin typeface="Calibri" panose="020F0502020204030204" pitchFamily="34" charset="0"/>
-              </a:rPr>
-              <a:t>getData</a:t>
-            </a:r>
-            <a:r>
-              <a:rPr lang="en-US" altLang="en-US" dirty="0">
-                <a:latin typeface="Calibri" panose="020F0502020204030204" pitchFamily="34" charset="0"/>
-              </a:rPr>
-              <a:t>() {</a:t>
-            </a:r>
-          </a:p>
-          <a:p>
-            <a:pPr marL="0" indent="0">
-              <a:buNone/>
-            </a:pPr>
-            <a:r>
-              <a:rPr lang="en-US" altLang="en-US" dirty="0">
-                <a:latin typeface="Calibri" panose="020F0502020204030204" pitchFamily="34" charset="0"/>
-              </a:rPr>
-              <a:t>		…</a:t>
-            </a:r>
-          </a:p>
-          <a:p>
-            <a:pPr marL="0" indent="0">
-              <a:buNone/>
-            </a:pPr>
-            <a:r>
-              <a:rPr lang="en-US" altLang="en-US" dirty="0">
-                <a:latin typeface="Calibri" panose="020F0502020204030204" pitchFamily="34" charset="0"/>
-              </a:rPr>
-              <a:t>	}</a:t>
-            </a:r>
-          </a:p>
-          <a:p>
-            <a:pPr marL="0" indent="0">
-              <a:buNone/>
-            </a:pPr>
-            <a:r>
-              <a:rPr lang="en-US" altLang="en-US" dirty="0">
-                <a:latin typeface="Calibri" panose="020F0502020204030204" pitchFamily="34" charset="0"/>
-              </a:rPr>
               <a:t>}</a:t>
             </a:r>
-          </a:p>
-          <a:p>
-            <a:pPr>
-              <a:buFont typeface="Courier New" panose="02070309020205020404" pitchFamily="49" charset="0"/>
-              <a:buChar char="o"/>
-            </a:pPr>
-            <a:endParaRPr lang="en-US" dirty="0">
-              <a:latin typeface="Calibri" panose="020F0502020204030204" pitchFamily="34" charset="0"/>
-            </a:endParaRPr>
           </a:p>
         </p:txBody>
       </p:sp>
@@ -7755,10 +7734,10 @@
       </p:grpSpPr>
       <p:sp>
         <p:nvSpPr>
-          <p:cNvPr id="72706" name="Rectangle 2">
+          <p:cNvPr id="70658" name="Rectangle 2">
             <a:extLst>
               <a:ext uri="{FF2B5EF4-FFF2-40B4-BE49-F238E27FC236}">
-                <a16:creationId xmlns:a16="http://schemas.microsoft.com/office/drawing/2014/main" id="{38AE21BD-A747-7650-F26B-1FF36AF05C80}"/>
+                <a16:creationId xmlns:a16="http://schemas.microsoft.com/office/drawing/2014/main" id="{BAFAEC75-8E2B-D342-F9E7-7EB260E16AD0}"/>
               </a:ext>
             </a:extLst>
           </p:cNvPr>
@@ -7780,17 +7759,17 @@
               <a:rPr lang="en-US" altLang="en-US" dirty="0">
                 <a:latin typeface="Calibri" panose="020F0502020204030204" pitchFamily="34" charset="0"/>
               </a:rPr>
-              <a:t>Default</a:t>
-            </a:r>
-          </a:p>
-        </p:txBody>
-      </p:sp>
-      <p:sp>
-        <p:nvSpPr>
-          <p:cNvPr id="72707" name="Rectangle 3">
+              <a:t>Protected</a:t>
+            </a:r>
+          </a:p>
+        </p:txBody>
+      </p:sp>
+      <p:sp>
+        <p:nvSpPr>
+          <p:cNvPr id="70659" name="Rectangle 3">
             <a:extLst>
               <a:ext uri="{FF2B5EF4-FFF2-40B4-BE49-F238E27FC236}">
-                <a16:creationId xmlns:a16="http://schemas.microsoft.com/office/drawing/2014/main" id="{E5477100-5572-31E9-33FF-299CCCC24124}"/>
+                <a16:creationId xmlns:a16="http://schemas.microsoft.com/office/drawing/2014/main" id="{BFC848A1-A72A-72F7-E65A-FD4D6CBAB822}"/>
               </a:ext>
             </a:extLst>
           </p:cNvPr>
@@ -7816,7 +7795,7 @@
               <a:rPr lang="en-US" altLang="en-US" dirty="0">
                 <a:latin typeface="Calibri" panose="020F0502020204030204" pitchFamily="34" charset="0"/>
               </a:rPr>
-              <a:t>There is no default keyword</a:t>
+              <a:t>Accessible only within its package and its subclasses </a:t>
             </a:r>
           </a:p>
           <a:p>
@@ -7828,31 +7807,7 @@
               <a:rPr lang="en-US" altLang="en-US" dirty="0">
                 <a:latin typeface="Calibri" panose="020F0502020204030204" pitchFamily="34" charset="0"/>
               </a:rPr>
-              <a:t>access from within the class, or from any class in the same directory (</a:t>
-            </a:r>
-            <a:r>
-              <a:rPr lang="ja-JP" altLang="en-US">
-                <a:latin typeface="Calibri" panose="020F0502020204030204" pitchFamily="34" charset="0"/>
-              </a:rPr>
-              <a:t>“</a:t>
-            </a:r>
-            <a:r>
-              <a:rPr lang="en-US" altLang="ja-JP" dirty="0">
-                <a:latin typeface="Calibri" panose="020F0502020204030204" pitchFamily="34" charset="0"/>
-              </a:rPr>
-              <a:t>folder</a:t>
-            </a:r>
-            <a:r>
-              <a:rPr lang="ja-JP" altLang="en-US">
-                <a:latin typeface="Calibri" panose="020F0502020204030204" pitchFamily="34" charset="0"/>
-              </a:rPr>
-              <a:t>”</a:t>
-            </a:r>
-            <a:r>
-              <a:rPr lang="en-US" altLang="ja-JP" dirty="0">
-                <a:latin typeface="Calibri" panose="020F0502020204030204" pitchFamily="34" charset="0"/>
-              </a:rPr>
-              <a:t>)</a:t>
+              <a:t>Applies to only Constructors, Fields, Methods </a:t>
             </a:r>
           </a:p>
           <a:p>
@@ -7864,7 +7819,7 @@
               <a:rPr lang="en-US" altLang="en-US" dirty="0">
                 <a:latin typeface="Calibri" panose="020F0502020204030204" pitchFamily="34" charset="0"/>
               </a:rPr>
-              <a:t>Applies to Classes, Methods, Constructors, Fields, Interfaces</a:t>
+              <a:t>Not applicable to Classes, Interfaces</a:t>
             </a:r>
           </a:p>
           <a:p>
@@ -7876,7 +7831,7 @@
               <a:rPr lang="en-US" altLang="en-US" dirty="0">
                 <a:latin typeface="Calibri" panose="020F0502020204030204" pitchFamily="34" charset="0"/>
               </a:rPr>
-              <a:t>Example:</a:t>
+              <a:t>Example: </a:t>
             </a:r>
           </a:p>
           <a:p>
@@ -7887,7 +7842,52 @@
               <a:rPr lang="en-US" altLang="en-US" dirty="0">
                 <a:latin typeface="Calibri" panose="020F0502020204030204" pitchFamily="34" charset="0"/>
               </a:rPr>
-              <a:t>class Employee {</a:t>
+              <a:t>public class Employee {</a:t>
+            </a:r>
+          </a:p>
+          <a:p>
+            <a:pPr marL="0" indent="0">
+              <a:buNone/>
+            </a:pPr>
+            <a:r>
+              <a:rPr lang="en-US" altLang="en-US" dirty="0">
+                <a:latin typeface="Calibri" panose="020F0502020204030204" pitchFamily="34" charset="0"/>
+              </a:rPr>
+              <a:t>	protected void </a:t>
+            </a:r>
+            <a:r>
+              <a:rPr lang="en-US" altLang="en-US" dirty="0" err="1">
+                <a:latin typeface="Calibri" panose="020F0502020204030204" pitchFamily="34" charset="0"/>
+              </a:rPr>
+              <a:t>getData</a:t>
+            </a:r>
+            <a:r>
+              <a:rPr lang="en-US" altLang="en-US" dirty="0">
+                <a:latin typeface="Calibri" panose="020F0502020204030204" pitchFamily="34" charset="0"/>
+              </a:rPr>
+              <a:t>() {</a:t>
+            </a:r>
+          </a:p>
+          <a:p>
+            <a:pPr marL="0" indent="0">
+              <a:buNone/>
+            </a:pPr>
+            <a:r>
+              <a:rPr lang="en-US" altLang="en-US" dirty="0">
+                <a:latin typeface="Calibri" panose="020F0502020204030204" pitchFamily="34" charset="0"/>
+              </a:rPr>
+              <a:t>		…</a:t>
+            </a:r>
+          </a:p>
+          <a:p>
+            <a:pPr marL="0" indent="0">
+              <a:buNone/>
+            </a:pPr>
+            <a:r>
+              <a:rPr lang="en-US" altLang="en-US" dirty="0">
+                <a:latin typeface="Calibri" panose="020F0502020204030204" pitchFamily="34" charset="0"/>
+              </a:rPr>
+              <a:t>	}</a:t>
             </a:r>
           </a:p>
           <a:p>
@@ -7978,13 +7978,13 @@
             <p:ph idx="1"/>
             <p:extLst>
               <p:ext uri="{D42A27DB-BD31-4B8C-83A1-F6EECF244321}">
-                <p14:modId xmlns:p14="http://schemas.microsoft.com/office/powerpoint/2010/main" val="48509915"/>
+                <p14:modId xmlns:p14="http://schemas.microsoft.com/office/powerpoint/2010/main" val="2647818449"/>
               </p:ext>
             </p:extLst>
           </p:nvPr>
         </p:nvGraphicFramePr>
         <p:xfrm>
-          <a:off x="768350" y="2961207"/>
+          <a:off x="801743" y="2514600"/>
           <a:ext cx="7289800" cy="2672310"/>
         </p:xfrm>
         <a:graphic>
